--- a/TDD.pptx
+++ b/TDD.pptx
@@ -313,7 +313,7 @@
             <a:fld id="{B61BEF0D-F0BB-DE4B-95CE-6DB70DBA9567}" type="datetimeFigureOut">
               <a:rPr lang="en-US" dirty="0"/>
               <a:pPr/>
-              <a:t>3/5/2018</a:t>
+              <a:t>3/9/2018</a:t>
             </a:fld>
             <a:endParaRPr lang="en-US" dirty="0"/>
           </a:p>
@@ -746,7 +746,7 @@
             <a:fld id="{B61BEF0D-F0BB-DE4B-95CE-6DB70DBA9567}" type="datetimeFigureOut">
               <a:rPr lang="en-US" dirty="0"/>
               <a:pPr/>
-              <a:t>3/5/2018</a:t>
+              <a:t>3/9/2018</a:t>
             </a:fld>
             <a:endParaRPr lang="en-US" dirty="0"/>
           </a:p>
@@ -993,7 +993,7 @@
             <a:fld id="{B61BEF0D-F0BB-DE4B-95CE-6DB70DBA9567}" type="datetimeFigureOut">
               <a:rPr lang="en-US" dirty="0"/>
               <a:pPr/>
-              <a:t>3/5/2018</a:t>
+              <a:t>3/9/2018</a:t>
             </a:fld>
             <a:endParaRPr lang="en-US" dirty="0"/>
           </a:p>
@@ -1298,7 +1298,7 @@
             <a:fld id="{B61BEF0D-F0BB-DE4B-95CE-6DB70DBA9567}" type="datetimeFigureOut">
               <a:rPr lang="en-US" dirty="0"/>
               <a:pPr/>
-              <a:t>3/5/2018</a:t>
+              <a:t>3/9/2018</a:t>
             </a:fld>
             <a:endParaRPr lang="en-US" dirty="0"/>
           </a:p>
@@ -1613,7 +1613,7 @@
             <a:fld id="{B61BEF0D-F0BB-DE4B-95CE-6DB70DBA9567}" type="datetimeFigureOut">
               <a:rPr lang="en-US" dirty="0"/>
               <a:pPr/>
-              <a:t>3/5/2018</a:t>
+              <a:t>3/9/2018</a:t>
             </a:fld>
             <a:endParaRPr lang="en-US" dirty="0"/>
           </a:p>
@@ -1912,7 +1912,7 @@
             <a:fld id="{B61BEF0D-F0BB-DE4B-95CE-6DB70DBA9567}" type="datetimeFigureOut">
               <a:rPr lang="en-US" dirty="0"/>
               <a:pPr/>
-              <a:t>3/5/2018</a:t>
+              <a:t>3/9/2018</a:t>
             </a:fld>
             <a:endParaRPr lang="en-US" dirty="0"/>
           </a:p>
@@ -2276,7 +2276,7 @@
             <a:fld id="{B61BEF0D-F0BB-DE4B-95CE-6DB70DBA9567}" type="datetimeFigureOut">
               <a:rPr lang="en-US" dirty="0"/>
               <a:pPr/>
-              <a:t>3/5/2018</a:t>
+              <a:t>3/9/2018</a:t>
             </a:fld>
             <a:endParaRPr lang="en-US" dirty="0"/>
           </a:p>
@@ -2447,7 +2447,7 @@
             <a:fld id="{B61BEF0D-F0BB-DE4B-95CE-6DB70DBA9567}" type="datetimeFigureOut">
               <a:rPr lang="en-US" dirty="0"/>
               <a:pPr/>
-              <a:t>3/5/2018</a:t>
+              <a:t>3/9/2018</a:t>
             </a:fld>
             <a:endParaRPr lang="en-US" dirty="0"/>
           </a:p>
@@ -2624,7 +2624,7 @@
             <a:fld id="{B61BEF0D-F0BB-DE4B-95CE-6DB70DBA9567}" type="datetimeFigureOut">
               <a:rPr lang="en-US" dirty="0"/>
               <a:pPr/>
-              <a:t>3/5/2018</a:t>
+              <a:t>3/9/2018</a:t>
             </a:fld>
             <a:endParaRPr lang="en-US" dirty="0"/>
           </a:p>
@@ -2791,7 +2791,7 @@
             <a:fld id="{B61BEF0D-F0BB-DE4B-95CE-6DB70DBA9567}" type="datetimeFigureOut">
               <a:rPr lang="en-US" dirty="0"/>
               <a:pPr/>
-              <a:t>3/5/2018</a:t>
+              <a:t>3/9/2018</a:t>
             </a:fld>
             <a:endParaRPr lang="en-US" dirty="0"/>
           </a:p>
@@ -3038,7 +3038,7 @@
             <a:fld id="{B61BEF0D-F0BB-DE4B-95CE-6DB70DBA9567}" type="datetimeFigureOut">
               <a:rPr lang="en-US" dirty="0"/>
               <a:pPr/>
-              <a:t>3/5/2018</a:t>
+              <a:t>3/9/2018</a:t>
             </a:fld>
             <a:endParaRPr lang="en-US" dirty="0"/>
           </a:p>
@@ -3271,7 +3271,7 @@
             <a:fld id="{B61BEF0D-F0BB-DE4B-95CE-6DB70DBA9567}" type="datetimeFigureOut">
               <a:rPr lang="en-US" dirty="0"/>
               <a:pPr/>
-              <a:t>3/5/2018</a:t>
+              <a:t>3/9/2018</a:t>
             </a:fld>
             <a:endParaRPr lang="en-US" dirty="0"/>
           </a:p>
@@ -3650,7 +3650,7 @@
             <a:fld id="{B61BEF0D-F0BB-DE4B-95CE-6DB70DBA9567}" type="datetimeFigureOut">
               <a:rPr lang="en-US" dirty="0"/>
               <a:pPr/>
-              <a:t>3/5/2018</a:t>
+              <a:t>3/9/2018</a:t>
             </a:fld>
             <a:endParaRPr lang="en-US" dirty="0"/>
           </a:p>
@@ -3765,7 +3765,7 @@
             <a:fld id="{B61BEF0D-F0BB-DE4B-95CE-6DB70DBA9567}" type="datetimeFigureOut">
               <a:rPr lang="en-US" dirty="0"/>
               <a:pPr/>
-              <a:t>3/5/2018</a:t>
+              <a:t>3/9/2018</a:t>
             </a:fld>
             <a:endParaRPr lang="en-US" dirty="0"/>
           </a:p>
@@ -3857,7 +3857,7 @@
             <a:fld id="{B61BEF0D-F0BB-DE4B-95CE-6DB70DBA9567}" type="datetimeFigureOut">
               <a:rPr lang="en-US" dirty="0"/>
               <a:pPr/>
-              <a:t>3/5/2018</a:t>
+              <a:t>3/9/2018</a:t>
             </a:fld>
             <a:endParaRPr lang="en-US" dirty="0"/>
           </a:p>
@@ -4109,7 +4109,7 @@
             <a:fld id="{B61BEF0D-F0BB-DE4B-95CE-6DB70DBA9567}" type="datetimeFigureOut">
               <a:rPr lang="en-US" dirty="0"/>
               <a:pPr/>
-              <a:t>3/5/2018</a:t>
+              <a:t>3/9/2018</a:t>
             </a:fld>
             <a:endParaRPr lang="en-US" dirty="0"/>
           </a:p>
@@ -4389,7 +4389,7 @@
             <a:fld id="{B61BEF0D-F0BB-DE4B-95CE-6DB70DBA9567}" type="datetimeFigureOut">
               <a:rPr lang="en-US" dirty="0"/>
               <a:pPr/>
-              <a:t>3/5/2018</a:t>
+              <a:t>3/9/2018</a:t>
             </a:fld>
             <a:endParaRPr lang="en-US" dirty="0"/>
           </a:p>
@@ -4792,7 +4792,7 @@
             <a:fld id="{B61BEF0D-F0BB-DE4B-95CE-6DB70DBA9567}" type="datetimeFigureOut">
               <a:rPr lang="en-US" dirty="0"/>
               <a:pPr/>
-              <a:t>3/5/2018</a:t>
+              <a:t>3/9/2018</a:t>
             </a:fld>
             <a:endParaRPr lang="en-US" dirty="0"/>
           </a:p>
@@ -5634,6 +5634,53 @@
           </a:p>
         </p:txBody>
       </p:sp>
+      <p:pic>
+        <p:nvPicPr>
+          <p:cNvPr id="1026" name="Picture 2" descr="http://www.agiledata.org/images/tddSteps.jpg">
+            <a:extLst>
+              <a:ext uri="{FF2B5EF4-FFF2-40B4-BE49-F238E27FC236}">
+                <a16:creationId xmlns:a16="http://schemas.microsoft.com/office/drawing/2014/main" id="{A9785551-FD47-4849-A859-C0CDAB67708E}"/>
+              </a:ext>
+            </a:extLst>
+          </p:cNvPr>
+          <p:cNvPicPr>
+            <a:picLocks noChangeAspect="1" noChangeArrowheads="1"/>
+          </p:cNvPicPr>
+          <p:nvPr/>
+        </p:nvPicPr>
+        <p:blipFill>
+          <a:blip r:embed="rId2">
+            <a:extLst>
+              <a:ext uri="{28A0092B-C50C-407E-A947-70E740481C1C}">
+                <a14:useLocalDpi xmlns:a14="http://schemas.microsoft.com/office/drawing/2010/main" val="0"/>
+              </a:ext>
+            </a:extLst>
+          </a:blip>
+          <a:srcRect/>
+          <a:stretch>
+            <a:fillRect/>
+          </a:stretch>
+        </p:blipFill>
+        <p:spPr bwMode="auto">
+          <a:xfrm>
+            <a:off x="8528152" y="600075"/>
+            <a:ext cx="2957411" cy="5695950"/>
+          </a:xfrm>
+          <a:prstGeom prst="rect">
+            <a:avLst/>
+          </a:prstGeom>
+          <a:noFill/>
+          <a:extLst>
+            <a:ext uri="{909E8E84-426E-40DD-AFC4-6F175D3DCCD1}">
+              <a14:hiddenFill xmlns:a14="http://schemas.microsoft.com/office/drawing/2010/main">
+                <a:solidFill>
+                  <a:srgbClr val="FFFFFF"/>
+                </a:solidFill>
+              </a14:hiddenFill>
+            </a:ext>
+          </a:extLst>
+        </p:spPr>
+      </p:pic>
     </p:spTree>
     <p:extLst>
       <p:ext uri="{BB962C8B-B14F-4D97-AF65-F5344CB8AC3E}">
@@ -6053,7 +6100,7 @@
           <a:p>
             <a:r>
               <a:rPr lang="en-US" sz="2800" b="1" u="sng" dirty="0"/>
-              <a:t>Color Info</a:t>
+              <a:t>User Info</a:t>
             </a:r>
           </a:p>
           <a:p>
@@ -6062,8 +6109,20 @@
               <a:buChar char="•"/>
             </a:pPr>
             <a:r>
-              <a:rPr lang="en-US" dirty="0"/>
-              <a:t>GetColor  should return the string “red”</a:t>
+              <a:rPr lang="en-US" dirty="0" err="1"/>
+              <a:t>GetUserId</a:t>
+            </a:r>
+            <a:r>
+              <a:rPr lang="en-US" dirty="0"/>
+              <a:t>  should return the string “</a:t>
+            </a:r>
+            <a:r>
+              <a:rPr lang="en-US" dirty="0" err="1"/>
+              <a:t>mgregory</a:t>
+            </a:r>
+            <a:r>
+              <a:rPr lang="en-US" dirty="0"/>
+              <a:t>”</a:t>
             </a:r>
           </a:p>
           <a:p>
@@ -6072,8 +6131,12 @@
               <a:buChar char="•"/>
             </a:pPr>
             <a:r>
-              <a:rPr lang="en-US" dirty="0"/>
-              <a:t>GetHexCode for the color red should return “FF0000”</a:t>
+              <a:rPr lang="en-US" dirty="0" err="1"/>
+              <a:t>GetPassword</a:t>
+            </a:r>
+            <a:r>
+              <a:rPr lang="en-US" dirty="0"/>
+              <a:t> for the User should return “password123”</a:t>
             </a:r>
           </a:p>
           <a:p>
